--- a/27_Presentation.pptx
+++ b/27_Presentation.pptx
@@ -4216,13 +4216,13 @@
   <p:clrMapOvr>
     <a:masterClrMapping/>
   </p:clrMapOvr>
-  <mc:AlternateContent xmlns:mc="http://schemas.openxmlformats.org/markup-compatibility/2006">
-    <mc:Choice xmlns:p14="http://schemas.microsoft.com/office/powerpoint/2010/main" Requires="p14">
+  <mc:AlternateContent xmlns:mc="http://schemas.openxmlformats.org/markup-compatibility/2006" xmlns:p14="http://schemas.microsoft.com/office/powerpoint/2010/main">
+    <mc:Choice Requires="p14">
       <p:transition spd="slow" p14:dur="1200">
         <p:dissolve/>
       </p:transition>
     </mc:Choice>
-    <mc:Fallback>
+    <mc:Fallback xmlns="">
       <p:transition spd="slow">
         <p:dissolve/>
       </p:transition>
@@ -5606,8 +5606,8 @@
           <a:p>
             <a:pPr algn="ctr"/>
             <a:r>
-              <a:rPr lang="en-GB" sz="2400" b="1" dirty="0"/>
-              <a:t>MS Word</a:t>
+              <a:rPr lang="en-GB" sz="2400" b="1"/>
+              <a:t>Word</a:t>
             </a:r>
             <a:endParaRPr lang="en-US" sz="2400" b="1" dirty="0"/>
           </a:p>
@@ -7476,13 +7476,13 @@
   <p:clrMapOvr>
     <a:masterClrMapping/>
   </p:clrMapOvr>
-  <mc:AlternateContent xmlns:mc="http://schemas.openxmlformats.org/markup-compatibility/2006">
-    <mc:Choice xmlns:p14="http://schemas.microsoft.com/office/powerpoint/2010/main" Requires="p14">
+  <mc:AlternateContent xmlns:mc="http://schemas.openxmlformats.org/markup-compatibility/2006" xmlns:p14="http://schemas.microsoft.com/office/powerpoint/2010/main">
+    <mc:Choice Requires="p14">
       <p:transition spd="slow" p14:dur="1250">
         <p:dissolve/>
       </p:transition>
     </mc:Choice>
-    <mc:Fallback>
+    <mc:Fallback xmlns="">
       <p:transition spd="slow">
         <p:dissolve/>
       </p:transition>
@@ -7643,13 +7643,13 @@
   <p:clrMapOvr>
     <a:masterClrMapping/>
   </p:clrMapOvr>
-  <mc:AlternateContent xmlns:mc="http://schemas.openxmlformats.org/markup-compatibility/2006">
-    <mc:Choice xmlns:p14="http://schemas.microsoft.com/office/powerpoint/2010/main" Requires="p14">
+  <mc:AlternateContent xmlns:mc="http://schemas.openxmlformats.org/markup-compatibility/2006" xmlns:p14="http://schemas.microsoft.com/office/powerpoint/2010/main">
+    <mc:Choice Requires="p14">
       <p:transition spd="med" p14:dur="700">
         <p:fade/>
       </p:transition>
     </mc:Choice>
-    <mc:Fallback>
+    <mc:Fallback xmlns="">
       <p:transition spd="med">
         <p:fade/>
       </p:transition>

--- a/27_Presentation.pptx
+++ b/27_Presentation.pptx
@@ -268,7 +268,7 @@
           <a:p>
             <a:fld id="{13E8C2B9-0A89-4F33-B863-0DC9C28BCB03}" type="datetimeFigureOut">
               <a:rPr lang="en-US" smtClean="0"/>
-              <a:t>3/11/2022</a:t>
+              <a:t>3/12/2022</a:t>
             </a:fld>
             <a:endParaRPr lang="en-US"/>
           </a:p>
@@ -466,7 +466,7 @@
           <a:p>
             <a:fld id="{13E8C2B9-0A89-4F33-B863-0DC9C28BCB03}" type="datetimeFigureOut">
               <a:rPr lang="en-US" smtClean="0"/>
-              <a:t>3/11/2022</a:t>
+              <a:t>3/12/2022</a:t>
             </a:fld>
             <a:endParaRPr lang="en-US"/>
           </a:p>
@@ -674,7 +674,7 @@
           <a:p>
             <a:fld id="{13E8C2B9-0A89-4F33-B863-0DC9C28BCB03}" type="datetimeFigureOut">
               <a:rPr lang="en-US" smtClean="0"/>
-              <a:t>3/11/2022</a:t>
+              <a:t>3/12/2022</a:t>
             </a:fld>
             <a:endParaRPr lang="en-US"/>
           </a:p>
@@ -872,7 +872,7 @@
           <a:p>
             <a:fld id="{13E8C2B9-0A89-4F33-B863-0DC9C28BCB03}" type="datetimeFigureOut">
               <a:rPr lang="en-US" smtClean="0"/>
-              <a:t>3/11/2022</a:t>
+              <a:t>3/12/2022</a:t>
             </a:fld>
             <a:endParaRPr lang="en-US"/>
           </a:p>
@@ -1147,7 +1147,7 @@
           <a:p>
             <a:fld id="{13E8C2B9-0A89-4F33-B863-0DC9C28BCB03}" type="datetimeFigureOut">
               <a:rPr lang="en-US" smtClean="0"/>
-              <a:t>3/11/2022</a:t>
+              <a:t>3/12/2022</a:t>
             </a:fld>
             <a:endParaRPr lang="en-US"/>
           </a:p>
@@ -1412,7 +1412,7 @@
           <a:p>
             <a:fld id="{13E8C2B9-0A89-4F33-B863-0DC9C28BCB03}" type="datetimeFigureOut">
               <a:rPr lang="en-US" smtClean="0"/>
-              <a:t>3/11/2022</a:t>
+              <a:t>3/12/2022</a:t>
             </a:fld>
             <a:endParaRPr lang="en-US"/>
           </a:p>
@@ -1824,7 +1824,7 @@
           <a:p>
             <a:fld id="{13E8C2B9-0A89-4F33-B863-0DC9C28BCB03}" type="datetimeFigureOut">
               <a:rPr lang="en-US" smtClean="0"/>
-              <a:t>3/11/2022</a:t>
+              <a:t>3/12/2022</a:t>
             </a:fld>
             <a:endParaRPr lang="en-US"/>
           </a:p>
@@ -1965,7 +1965,7 @@
           <a:p>
             <a:fld id="{13E8C2B9-0A89-4F33-B863-0DC9C28BCB03}" type="datetimeFigureOut">
               <a:rPr lang="en-US" smtClean="0"/>
-              <a:t>3/11/2022</a:t>
+              <a:t>3/12/2022</a:t>
             </a:fld>
             <a:endParaRPr lang="en-US"/>
           </a:p>
@@ -2078,7 +2078,7 @@
           <a:p>
             <a:fld id="{13E8C2B9-0A89-4F33-B863-0DC9C28BCB03}" type="datetimeFigureOut">
               <a:rPr lang="en-US" smtClean="0"/>
-              <a:t>3/11/2022</a:t>
+              <a:t>3/12/2022</a:t>
             </a:fld>
             <a:endParaRPr lang="en-US"/>
           </a:p>
@@ -2389,7 +2389,7 @@
           <a:p>
             <a:fld id="{13E8C2B9-0A89-4F33-B863-0DC9C28BCB03}" type="datetimeFigureOut">
               <a:rPr lang="en-US" smtClean="0"/>
-              <a:t>3/11/2022</a:t>
+              <a:t>3/12/2022</a:t>
             </a:fld>
             <a:endParaRPr lang="en-US"/>
           </a:p>
@@ -2677,7 +2677,7 @@
           <a:p>
             <a:fld id="{13E8C2B9-0A89-4F33-B863-0DC9C28BCB03}" type="datetimeFigureOut">
               <a:rPr lang="en-US" smtClean="0"/>
-              <a:t>3/11/2022</a:t>
+              <a:t>3/12/2022</a:t>
             </a:fld>
             <a:endParaRPr lang="en-US"/>
           </a:p>
@@ -2918,7 +2918,7 @@
           <a:p>
             <a:fld id="{13E8C2B9-0A89-4F33-B863-0DC9C28BCB03}" type="datetimeFigureOut">
               <a:rPr lang="en-US" smtClean="0"/>
-              <a:t>3/11/2022</a:t>
+              <a:t>3/12/2022</a:t>
             </a:fld>
             <a:endParaRPr lang="en-US"/>
           </a:p>
@@ -4407,8 +4407,8 @@
               <a:t>Какво представлява проектът </a:t>
             </a:r>
             <a:r>
-              <a:rPr lang="en-GB" sz="2400" dirty="0"/>
-              <a:t>Dream Jam Demo</a:t>
+              <a:rPr lang="en-GB" sz="2400"/>
+              <a:t>Dream Jam</a:t>
             </a:r>
           </a:p>
           <a:p>
@@ -4417,8 +4417,12 @@
               <a:buChar char="•"/>
             </a:pPr>
             <a:r>
+              <a:rPr lang="bg-BG" sz="2400"/>
+              <a:t>Целта </a:t>
+            </a:r>
+            <a:r>
               <a:rPr lang="bg-BG" sz="2400" dirty="0"/>
-              <a:t>Целта на проекта</a:t>
+              <a:t>на проекта</a:t>
             </a:r>
           </a:p>
           <a:p>

--- a/27_Presentation.pptx
+++ b/27_Presentation.pptx
@@ -268,7 +268,7 @@
           <a:p>
             <a:fld id="{13E8C2B9-0A89-4F33-B863-0DC9C28BCB03}" type="datetimeFigureOut">
               <a:rPr lang="en-US" smtClean="0"/>
-              <a:t>3/12/2022</a:t>
+              <a:t>3/17/2022</a:t>
             </a:fld>
             <a:endParaRPr lang="en-US"/>
           </a:p>
@@ -466,7 +466,7 @@
           <a:p>
             <a:fld id="{13E8C2B9-0A89-4F33-B863-0DC9C28BCB03}" type="datetimeFigureOut">
               <a:rPr lang="en-US" smtClean="0"/>
-              <a:t>3/12/2022</a:t>
+              <a:t>3/17/2022</a:t>
             </a:fld>
             <a:endParaRPr lang="en-US"/>
           </a:p>
@@ -674,7 +674,7 @@
           <a:p>
             <a:fld id="{13E8C2B9-0A89-4F33-B863-0DC9C28BCB03}" type="datetimeFigureOut">
               <a:rPr lang="en-US" smtClean="0"/>
-              <a:t>3/12/2022</a:t>
+              <a:t>3/17/2022</a:t>
             </a:fld>
             <a:endParaRPr lang="en-US"/>
           </a:p>
@@ -872,7 +872,7 @@
           <a:p>
             <a:fld id="{13E8C2B9-0A89-4F33-B863-0DC9C28BCB03}" type="datetimeFigureOut">
               <a:rPr lang="en-US" smtClean="0"/>
-              <a:t>3/12/2022</a:t>
+              <a:t>3/17/2022</a:t>
             </a:fld>
             <a:endParaRPr lang="en-US"/>
           </a:p>
@@ -1147,7 +1147,7 @@
           <a:p>
             <a:fld id="{13E8C2B9-0A89-4F33-B863-0DC9C28BCB03}" type="datetimeFigureOut">
               <a:rPr lang="en-US" smtClean="0"/>
-              <a:t>3/12/2022</a:t>
+              <a:t>3/17/2022</a:t>
             </a:fld>
             <a:endParaRPr lang="en-US"/>
           </a:p>
@@ -1412,7 +1412,7 @@
           <a:p>
             <a:fld id="{13E8C2B9-0A89-4F33-B863-0DC9C28BCB03}" type="datetimeFigureOut">
               <a:rPr lang="en-US" smtClean="0"/>
-              <a:t>3/12/2022</a:t>
+              <a:t>3/17/2022</a:t>
             </a:fld>
             <a:endParaRPr lang="en-US"/>
           </a:p>
@@ -1824,7 +1824,7 @@
           <a:p>
             <a:fld id="{13E8C2B9-0A89-4F33-B863-0DC9C28BCB03}" type="datetimeFigureOut">
               <a:rPr lang="en-US" smtClean="0"/>
-              <a:t>3/12/2022</a:t>
+              <a:t>3/17/2022</a:t>
             </a:fld>
             <a:endParaRPr lang="en-US"/>
           </a:p>
@@ -1965,7 +1965,7 @@
           <a:p>
             <a:fld id="{13E8C2B9-0A89-4F33-B863-0DC9C28BCB03}" type="datetimeFigureOut">
               <a:rPr lang="en-US" smtClean="0"/>
-              <a:t>3/12/2022</a:t>
+              <a:t>3/17/2022</a:t>
             </a:fld>
             <a:endParaRPr lang="en-US"/>
           </a:p>
@@ -2078,7 +2078,7 @@
           <a:p>
             <a:fld id="{13E8C2B9-0A89-4F33-B863-0DC9C28BCB03}" type="datetimeFigureOut">
               <a:rPr lang="en-US" smtClean="0"/>
-              <a:t>3/12/2022</a:t>
+              <a:t>3/17/2022</a:t>
             </a:fld>
             <a:endParaRPr lang="en-US"/>
           </a:p>
@@ -2389,7 +2389,7 @@
           <a:p>
             <a:fld id="{13E8C2B9-0A89-4F33-B863-0DC9C28BCB03}" type="datetimeFigureOut">
               <a:rPr lang="en-US" smtClean="0"/>
-              <a:t>3/12/2022</a:t>
+              <a:t>3/17/2022</a:t>
             </a:fld>
             <a:endParaRPr lang="en-US"/>
           </a:p>
@@ -2677,7 +2677,7 @@
           <a:p>
             <a:fld id="{13E8C2B9-0A89-4F33-B863-0DC9C28BCB03}" type="datetimeFigureOut">
               <a:rPr lang="en-US" smtClean="0"/>
-              <a:t>3/12/2022</a:t>
+              <a:t>3/17/2022</a:t>
             </a:fld>
             <a:endParaRPr lang="en-US"/>
           </a:p>
@@ -2918,7 +2918,7 @@
           <a:p>
             <a:fld id="{13E8C2B9-0A89-4F33-B863-0DC9C28BCB03}" type="datetimeFigureOut">
               <a:rPr lang="en-US" smtClean="0"/>
-              <a:t>3/12/2022</a:t>
+              <a:t>3/17/2022</a:t>
             </a:fld>
             <a:endParaRPr lang="en-US"/>
           </a:p>
@@ -4849,7 +4849,19 @@
               <a:rPr lang="bg-BG" sz="2400" dirty="0">
                 <a:cs typeface="Times New Roman" panose="02020603050405020304" pitchFamily="18" charset="0"/>
               </a:rPr>
-              <a:t>е игра в която се разказва за </a:t>
+              <a:t>е игра</a:t>
+            </a:r>
+            <a:r>
+              <a:rPr lang="en-US" sz="2400" dirty="0">
+                <a:cs typeface="Times New Roman" panose="02020603050405020304" pitchFamily="18" charset="0"/>
+              </a:rPr>
+              <a:t>,</a:t>
+            </a:r>
+            <a:r>
+              <a:rPr lang="bg-BG" sz="2400" dirty="0">
+                <a:cs typeface="Times New Roman" panose="02020603050405020304" pitchFamily="18" charset="0"/>
+              </a:rPr>
+              <a:t> в която се разказва за </a:t>
             </a:r>
             <a:r>
               <a:rPr lang="en-US" sz="2400" dirty="0">
@@ -4861,7 +4873,19 @@
               <a:rPr lang="bg-BG" sz="2400" dirty="0">
                 <a:cs typeface="Times New Roman" panose="02020603050405020304" pitchFamily="18" charset="0"/>
               </a:rPr>
-              <a:t>, който участва в интернационално състезание известно като </a:t>
+              <a:t>, който участва в интернационално състезание</a:t>
+            </a:r>
+            <a:r>
+              <a:rPr lang="en-US" sz="2400" dirty="0">
+                <a:cs typeface="Times New Roman" panose="02020603050405020304" pitchFamily="18" charset="0"/>
+              </a:rPr>
+              <a:t>,</a:t>
+            </a:r>
+            <a:r>
+              <a:rPr lang="bg-BG" sz="2400" dirty="0">
+                <a:cs typeface="Times New Roman" panose="02020603050405020304" pitchFamily="18" charset="0"/>
+              </a:rPr>
+              <a:t> известно като </a:t>
             </a:r>
             <a:r>
               <a:rPr lang="en-GB" sz="2400" dirty="0">
@@ -5029,7 +5053,7 @@
         </p:blipFill>
         <p:spPr>
           <a:xfrm>
-            <a:off x="11839" y="0"/>
+            <a:off x="0" y="0"/>
             <a:ext cx="3554027" cy="6857047"/>
           </a:xfrm>
         </p:spPr>
